--- a/OTH_Dominik.pptx
+++ b/OTH_Dominik.pptx
@@ -3295,7 +3295,7 @@
               <a:pPr>
                 <a:defRPr/>
               </a:pPr>
-              <a:t>02.02.21</a:t>
+              <a:t>03.02.21</a:t>
             </a:fld>
             <a:endParaRPr lang="de-DE"/>
           </a:p>
@@ -7133,36 +7133,42 @@
           </a:p>
         </p:txBody>
       </p:sp>
-      <p:sp>
-        <p:nvSpPr>
-          <p:cNvPr id="10" name="Content Placeholder 3">
+      <p:pic>
+        <p:nvPicPr>
+          <p:cNvPr id="3" name="walking" descr="walking">
+            <a:hlinkClick r:id="" action="ppaction://media"/>
             <a:extLst>
               <a:ext uri="{FF2B5EF4-FFF2-40B4-BE49-F238E27FC236}">
-                <a16:creationId xmlns:a16="http://schemas.microsoft.com/office/drawing/2014/main" id="{9D418336-30A1-41E4-B316-CA4D4ECD9B25}"/>
+                <a16:creationId xmlns:a16="http://schemas.microsoft.com/office/drawing/2014/main" id="{49A50C75-1E04-DF49-AC23-E1FF724E7337}"/>
               </a:ext>
             </a:extLst>
           </p:cNvPr>
-          <p:cNvSpPr>
-            <a:spLocks noGrp="1"/>
-          </p:cNvSpPr>
+          <p:cNvPicPr>
+            <a:picLocks noGrp="1" noChangeAspect="1"/>
+          </p:cNvPicPr>
           <p:nvPr>
             <p:ph sz="half" idx="2"/>
+            <a:videoFile r:link="rId2"/>
+            <p:extLst>
+              <p:ext uri="{DAA4B4D4-6D71-4841-9C94-3DE7FCFB9230}">
+                <p14:media xmlns:p14="http://schemas.microsoft.com/office/powerpoint/2010/main" r:embed="rId1"/>
+              </p:ext>
+            </p:extLst>
           </p:nvPr>
-        </p:nvSpPr>
+        </p:nvPicPr>
+        <p:blipFill>
+          <a:blip r:embed="rId4"/>
+          <a:stretch>
+            <a:fillRect/>
+          </a:stretch>
+        </p:blipFill>
         <p:spPr>
           <a:xfrm>
-            <a:off x="4276004" y="1783644"/>
-            <a:ext cx="3973049" cy="4499259"/>
+            <a:off x="4944363" y="1444716"/>
+            <a:ext cx="2530475" cy="4498975"/>
           </a:xfrm>
         </p:spPr>
-        <p:txBody>
-          <a:bodyPr/>
-          <a:lstStyle/>
-          <a:p>
-            <a:endParaRPr lang="en-US"/>
-          </a:p>
-        </p:txBody>
-      </p:sp>
+      </p:pic>
     </p:spTree>
     <p:extLst>
       <p:ext uri="{BB962C8B-B14F-4D97-AF65-F5344CB8AC3E}">
@@ -7173,6 +7179,141 @@
   <p:clrMapOvr>
     <a:masterClrMapping/>
   </p:clrMapOvr>
+  <p:timing>
+    <p:tnLst>
+      <p:par>
+        <p:cTn id="1" dur="indefinite" restart="never" nodeType="tmRoot">
+          <p:childTnLst>
+            <p:seq concurrent="1" nextAc="seek">
+              <p:cTn id="2" dur="indefinite" nodeType="mainSeq">
+                <p:childTnLst>
+                  <p:par>
+                    <p:cTn id="3" fill="hold">
+                      <p:stCondLst>
+                        <p:cond delay="indefinite"/>
+                      </p:stCondLst>
+                      <p:childTnLst>
+                        <p:par>
+                          <p:cTn id="4" fill="hold">
+                            <p:stCondLst>
+                              <p:cond delay="0"/>
+                            </p:stCondLst>
+                            <p:childTnLst>
+                              <p:par>
+                                <p:cTn id="5" presetID="1" presetClass="mediacall" presetSubtype="0" fill="hold" nodeType="clickEffect">
+                                  <p:stCondLst>
+                                    <p:cond delay="0"/>
+                                  </p:stCondLst>
+                                  <p:childTnLst>
+                                    <p:cmd type="call" cmd="playFrom(0.0)">
+                                      <p:cBhvr>
+                                        <p:cTn id="6" dur="4209" fill="hold"/>
+                                        <p:tgtEl>
+                                          <p:spTgt spid="3"/>
+                                        </p:tgtEl>
+                                      </p:cBhvr>
+                                    </p:cmd>
+                                  </p:childTnLst>
+                                </p:cTn>
+                              </p:par>
+                            </p:childTnLst>
+                          </p:cTn>
+                        </p:par>
+                      </p:childTnLst>
+                    </p:cTn>
+                  </p:par>
+                </p:childTnLst>
+              </p:cTn>
+              <p:prevCondLst>
+                <p:cond evt="onPrev" delay="0">
+                  <p:tgtEl>
+                    <p:sldTgt/>
+                  </p:tgtEl>
+                </p:cond>
+              </p:prevCondLst>
+              <p:nextCondLst>
+                <p:cond evt="onNext" delay="0">
+                  <p:tgtEl>
+                    <p:sldTgt/>
+                  </p:tgtEl>
+                </p:cond>
+              </p:nextCondLst>
+            </p:seq>
+            <p:video>
+              <p:cMediaNode vol="80000">
+                <p:cTn id="7" fill="hold" display="0">
+                  <p:stCondLst>
+                    <p:cond delay="indefinite"/>
+                  </p:stCondLst>
+                </p:cTn>
+                <p:tgtEl>
+                  <p:spTgt spid="3"/>
+                </p:tgtEl>
+              </p:cMediaNode>
+            </p:video>
+            <p:seq concurrent="1" nextAc="seek">
+              <p:cTn id="8" restart="whenNotActive" fill="hold" evtFilter="cancelBubble" nodeType="interactiveSeq">
+                <p:stCondLst>
+                  <p:cond evt="onClick" delay="0">
+                    <p:tgtEl>
+                      <p:spTgt spid="3"/>
+                    </p:tgtEl>
+                  </p:cond>
+                </p:stCondLst>
+                <p:endSync evt="end" delay="0">
+                  <p:rtn val="all"/>
+                </p:endSync>
+                <p:childTnLst>
+                  <p:par>
+                    <p:cTn id="9" fill="hold">
+                      <p:stCondLst>
+                        <p:cond delay="0"/>
+                      </p:stCondLst>
+                      <p:childTnLst>
+                        <p:par>
+                          <p:cTn id="10" fill="hold">
+                            <p:stCondLst>
+                              <p:cond delay="0"/>
+                            </p:stCondLst>
+                            <p:childTnLst>
+                              <p:par>
+                                <p:cTn id="11" presetID="2" presetClass="mediacall" presetSubtype="0" fill="hold" nodeType="clickEffect">
+                                  <p:stCondLst>
+                                    <p:cond delay="0"/>
+                                  </p:stCondLst>
+                                  <p:childTnLst>
+                                    <p:cmd type="call" cmd="togglePause">
+                                      <p:cBhvr>
+                                        <p:cTn id="12" dur="1" fill="hold"/>
+                                        <p:tgtEl>
+                                          <p:spTgt spid="3"/>
+                                        </p:tgtEl>
+                                      </p:cBhvr>
+                                    </p:cmd>
+                                  </p:childTnLst>
+                                </p:cTn>
+                              </p:par>
+                            </p:childTnLst>
+                          </p:cTn>
+                        </p:par>
+                      </p:childTnLst>
+                    </p:cTn>
+                  </p:par>
+                </p:childTnLst>
+              </p:cTn>
+              <p:nextCondLst>
+                <p:cond evt="onClick" delay="0">
+                  <p:tgtEl>
+                    <p:spTgt spid="3"/>
+                  </p:tgtEl>
+                </p:cond>
+              </p:nextCondLst>
+            </p:seq>
+          </p:childTnLst>
+        </p:cTn>
+      </p:par>
+    </p:tnLst>
+  </p:timing>
 </p:sld>
 </file>
 
